--- a/Project.pptx
+++ b/Project.pptx
@@ -217,7 +217,7 @@
           <a:p>
             <a:fld id="{C8D18E60-4300-4729-A0D7-6AB984C3922D}" type="datetimeFigureOut">
               <a:rPr lang="en-US" smtClean="0"/>
-              <a:t>2/22/2024</a:t>
+              <a:t>3/12/2024</a:t>
             </a:fld>
             <a:endParaRPr lang="en-US"/>
           </a:p>
@@ -703,7 +703,7 @@
             <a:fld id="{53074F12-AA26-4AC8-9962-C36BB8F32554}" type="datetimeFigureOut">
               <a:rPr lang="en-US" smtClean="0"/>
               <a:pPr/>
-              <a:t>2/22/2024</a:t>
+              <a:t>3/12/2024</a:t>
             </a:fld>
             <a:endParaRPr lang="en-US"/>
           </a:p>
@@ -969,7 +969,7 @@
             <a:fld id="{53074F12-AA26-4AC8-9962-C36BB8F32554}" type="datetimeFigureOut">
               <a:rPr lang="en-US" smtClean="0"/>
               <a:pPr/>
-              <a:t>2/22/2024</a:t>
+              <a:t>3/12/2024</a:t>
             </a:fld>
             <a:endParaRPr lang="en-US"/>
           </a:p>
@@ -1151,7 +1151,7 @@
             <a:fld id="{53074F12-AA26-4AC8-9962-C36BB8F32554}" type="datetimeFigureOut">
               <a:rPr lang="en-US" smtClean="0"/>
               <a:pPr/>
-              <a:t>2/22/2024</a:t>
+              <a:t>3/12/2024</a:t>
             </a:fld>
             <a:endParaRPr lang="en-US"/>
           </a:p>
@@ -1343,7 +1343,7 @@
             <a:fld id="{53074F12-AA26-4AC8-9962-C36BB8F32554}" type="datetimeFigureOut">
               <a:rPr lang="en-US" smtClean="0"/>
               <a:pPr/>
-              <a:t>2/22/2024</a:t>
+              <a:t>3/12/2024</a:t>
             </a:fld>
             <a:endParaRPr lang="en-US"/>
           </a:p>
@@ -1637,7 +1637,7 @@
             <a:fld id="{53074F12-AA26-4AC8-9962-C36BB8F32554}" type="datetimeFigureOut">
               <a:rPr lang="en-US" smtClean="0"/>
               <a:pPr/>
-              <a:t>2/22/2024</a:t>
+              <a:t>3/12/2024</a:t>
             </a:fld>
             <a:endParaRPr lang="en-US"/>
           </a:p>
@@ -1896,7 +1896,7 @@
             <a:fld id="{53074F12-AA26-4AC8-9962-C36BB8F32554}" type="datetimeFigureOut">
               <a:rPr lang="en-US" smtClean="0"/>
               <a:pPr/>
-              <a:t>2/22/2024</a:t>
+              <a:t>3/12/2024</a:t>
             </a:fld>
             <a:endParaRPr lang="en-US"/>
           </a:p>
@@ -2155,7 +2155,7 @@
             <a:fld id="{53074F12-AA26-4AC8-9962-C36BB8F32554}" type="datetimeFigureOut">
               <a:rPr lang="en-US" smtClean="0"/>
               <a:pPr/>
-              <a:t>2/22/2024</a:t>
+              <a:t>3/12/2024</a:t>
             </a:fld>
             <a:endParaRPr lang="en-US"/>
           </a:p>
@@ -2454,7 +2454,7 @@
             <a:fld id="{53074F12-AA26-4AC8-9962-C36BB8F32554}" type="datetimeFigureOut">
               <a:rPr lang="en-US" smtClean="0"/>
               <a:pPr/>
-              <a:t>2/22/2024</a:t>
+              <a:t>3/12/2024</a:t>
             </a:fld>
             <a:endParaRPr lang="en-US"/>
           </a:p>
@@ -2953,7 +2953,7 @@
             <a:fld id="{53074F12-AA26-4AC8-9962-C36BB8F32554}" type="datetimeFigureOut">
               <a:rPr lang="en-US" smtClean="0"/>
               <a:pPr/>
-              <a:t>2/22/2024</a:t>
+              <a:t>3/12/2024</a:t>
             </a:fld>
             <a:endParaRPr lang="en-US"/>
           </a:p>
@@ -3084,7 +3084,7 @@
             <a:fld id="{53074F12-AA26-4AC8-9962-C36BB8F32554}" type="datetimeFigureOut">
               <a:rPr lang="en-US" smtClean="0"/>
               <a:pPr/>
-              <a:t>2/22/2024</a:t>
+              <a:t>3/12/2024</a:t>
             </a:fld>
             <a:endParaRPr lang="en-US"/>
           </a:p>
@@ -3193,7 +3193,7 @@
             <a:fld id="{53074F12-AA26-4AC8-9962-C36BB8F32554}" type="datetimeFigureOut">
               <a:rPr lang="en-US" smtClean="0"/>
               <a:pPr/>
-              <a:t>2/22/2024</a:t>
+              <a:t>3/12/2024</a:t>
             </a:fld>
             <a:endParaRPr lang="en-US"/>
           </a:p>
@@ -3482,7 +3482,7 @@
             <a:fld id="{53074F12-AA26-4AC8-9962-C36BB8F32554}" type="datetimeFigureOut">
               <a:rPr lang="en-US" smtClean="0"/>
               <a:pPr/>
-              <a:t>2/22/2024</a:t>
+              <a:t>3/12/2024</a:t>
             </a:fld>
             <a:endParaRPr lang="en-US"/>
           </a:p>
@@ -3716,7 +3716,7 @@
             <a:fld id="{53074F12-AA26-4AC8-9962-C36BB8F32554}" type="datetimeFigureOut">
               <a:rPr lang="en-US" smtClean="0"/>
               <a:pPr/>
-              <a:t>2/22/2024</a:t>
+              <a:t>3/12/2024</a:t>
             </a:fld>
             <a:endParaRPr lang="en-US"/>
           </a:p>
@@ -4455,8 +4455,8 @@
         </p:nvSpPr>
         <p:spPr>
           <a:xfrm>
-            <a:off x="601670" y="3946095"/>
-            <a:ext cx="8232775" cy="929485"/>
+            <a:off x="5182820" y="4098800"/>
+            <a:ext cx="3206804" cy="929485"/>
           </a:xfrm>
           <a:prstGeom prst="rect">
             <a:avLst/>
@@ -4475,7 +4475,7 @@
                   <a:schemeClr val="bg1"/>
                 </a:solidFill>
               </a:rPr>
-              <a:t>   SAKSHI JAISWAL(21229CMP003)   </a:t>
+              <a:t>  SAKSHI JAISWAL(21229CMP003)   </a:t>
             </a:r>
           </a:p>
           <a:p>
@@ -4514,7 +4514,7 @@
         </p:nvSpPr>
         <p:spPr>
           <a:xfrm>
-            <a:off x="907080" y="3300340"/>
+            <a:off x="5793640" y="3575580"/>
             <a:ext cx="2687087" cy="523220"/>
           </a:xfrm>
           <a:prstGeom prst="rect">
@@ -4534,7 +4534,108 @@
                   <a:schemeClr val="bg1"/>
                 </a:solidFill>
               </a:rPr>
-              <a:t>Presented By :-</a:t>
+              <a:t>Presented By:-</a:t>
+            </a:r>
+          </a:p>
+        </p:txBody>
+      </p:sp>
+      <p:sp>
+        <p:nvSpPr>
+          <p:cNvPr id="8" name="TextBox 7">
+            <a:extLst>
+              <a:ext uri="{FF2B5EF4-FFF2-40B4-BE49-F238E27FC236}">
+                <a16:creationId xmlns:a16="http://schemas.microsoft.com/office/drawing/2014/main" id="{6789DD6C-72ED-36DC-3181-54EFAFE37BCC}"/>
+              </a:ext>
+            </a:extLst>
+          </p:cNvPr>
+          <p:cNvSpPr txBox="1"/>
+          <p:nvPr/>
+        </p:nvSpPr>
+        <p:spPr>
+          <a:xfrm>
+            <a:off x="534171" y="2663304"/>
+            <a:ext cx="2687087" cy="523220"/>
+          </a:xfrm>
+          <a:prstGeom prst="rect">
+            <a:avLst/>
+          </a:prstGeom>
+          <a:noFill/>
+        </p:spPr>
+        <p:txBody>
+          <a:bodyPr wrap="square">
+            <a:spAutoFit/>
+          </a:bodyPr>
+          <a:lstStyle/>
+          <a:p>
+            <a:r>
+              <a:rPr lang="en-US" sz="2800" b="1" u="sng" dirty="0">
+                <a:solidFill>
+                  <a:schemeClr val="bg1"/>
+                </a:solidFill>
+              </a:rPr>
+              <a:t>Presented To:-</a:t>
+            </a:r>
+          </a:p>
+        </p:txBody>
+      </p:sp>
+      <p:sp>
+        <p:nvSpPr>
+          <p:cNvPr id="12" name="TextBox 11">
+            <a:extLst>
+              <a:ext uri="{FF2B5EF4-FFF2-40B4-BE49-F238E27FC236}">
+                <a16:creationId xmlns:a16="http://schemas.microsoft.com/office/drawing/2014/main" id="{26656937-FDD2-F929-C6E3-A9A0C4A030F6}"/>
+              </a:ext>
+            </a:extLst>
+          </p:cNvPr>
+          <p:cNvSpPr txBox="1"/>
+          <p:nvPr/>
+        </p:nvSpPr>
+        <p:spPr>
+          <a:xfrm>
+            <a:off x="136556" y="3306575"/>
+            <a:ext cx="3213805" cy="1200329"/>
+          </a:xfrm>
+          <a:prstGeom prst="rect">
+            <a:avLst/>
+          </a:prstGeom>
+          <a:noFill/>
+        </p:spPr>
+        <p:txBody>
+          <a:bodyPr wrap="square">
+            <a:spAutoFit/>
+          </a:bodyPr>
+          <a:lstStyle/>
+          <a:p>
+            <a:pPr algn="ctr"/>
+            <a:r>
+              <a:rPr lang="en-IN" sz="2400" b="1" dirty="0">
+                <a:solidFill>
+                  <a:schemeClr val="bg1"/>
+                </a:solidFill>
+              </a:rPr>
+              <a:t>Dr. Rakhi Garg</a:t>
+            </a:r>
+          </a:p>
+          <a:p>
+            <a:pPr algn="ctr"/>
+            <a:r>
+              <a:rPr lang="en-IN" sz="2400" b="1" dirty="0">
+                <a:solidFill>
+                  <a:schemeClr val="bg1"/>
+                </a:solidFill>
+              </a:rPr>
+              <a:t>Dr. Awadhesh Kumar</a:t>
+            </a:r>
+          </a:p>
+          <a:p>
+            <a:pPr algn="ctr"/>
+            <a:r>
+              <a:rPr lang="en-IN" sz="2400" b="1" dirty="0">
+                <a:solidFill>
+                  <a:schemeClr val="bg1"/>
+                </a:solidFill>
+              </a:rPr>
+              <a:t>Dr. Sarvesh Pandey</a:t>
             </a:r>
           </a:p>
         </p:txBody>
@@ -5164,7 +5265,7 @@
         </p:blipFill>
         <p:spPr>
           <a:xfrm>
-            <a:off x="4724705" y="1581974"/>
+            <a:off x="4572000" y="1123032"/>
             <a:ext cx="2445745" cy="2897436"/>
           </a:xfrm>
           <a:prstGeom prst="rect">
